--- a/Courses/Applied-Programmer/Programming-Fundamentals/05-Символни-низове/21. Символни-низове-увод.pptx
+++ b/Courses/Applied-Programmer/Programming-Fundamentals/05-Символни-низове/21. Символни-низове-увод.pptx
@@ -339,7 +339,7 @@
             <a:fld id="{FE5B4EDC-59C0-49C7-8ADA-5A781B329E02}" type="datetimeFigureOut">
               <a:rPr lang="en-US"/>
               <a:pPr/>
-              <a:t>16-Dec-19</a:t>
+              <a:t>13-Nov-20</a:t>
             </a:fld>
             <a:endParaRPr dirty="0"/>
           </a:p>
@@ -637,7 +637,7 @@
             <a:fld id="{F2D8D46A-B586-417D-BFBD-8C8FE0AAF762}" type="datetimeFigureOut">
               <a:rPr lang="en-US" smtClean="0"/>
               <a:pPr/>
-              <a:t>16-Dec-19</a:t>
+              <a:t>13-Nov-20</a:t>
             </a:fld>
             <a:endParaRPr lang="en-US" dirty="0"/>
           </a:p>
